--- a/Presentation_KaidaNing.pptx
+++ b/Presentation_KaidaNing.pptx
@@ -207,7 +207,7 @@
           <a:p>
             <a:fld id="{8F6173E5-2CE4-4C10-88C9-8577D8C41D04}" type="datetimeFigureOut">
               <a:rPr lang="en-US" smtClean="0"/>
-              <a:t>10/27/2020</a:t>
+              <a:t>10/28/2020</a:t>
             </a:fld>
             <a:endParaRPr lang="en-US"/>
           </a:p>
@@ -902,7 +902,7 @@
           <a:p>
             <a:fld id="{9BC4C793-1D5A-47C4-A52E-0DE840C6149B}" type="datetimeFigureOut">
               <a:rPr lang="en-US" smtClean="0"/>
-              <a:t>10/27/2020</a:t>
+              <a:t>10/28/2020</a:t>
             </a:fld>
             <a:endParaRPr lang="en-US"/>
           </a:p>
@@ -1100,7 +1100,7 @@
           <a:p>
             <a:fld id="{9BC4C793-1D5A-47C4-A52E-0DE840C6149B}" type="datetimeFigureOut">
               <a:rPr lang="en-US" smtClean="0"/>
-              <a:t>10/27/2020</a:t>
+              <a:t>10/28/2020</a:t>
             </a:fld>
             <a:endParaRPr lang="en-US"/>
           </a:p>
@@ -1308,7 +1308,7 @@
           <a:p>
             <a:fld id="{9BC4C793-1D5A-47C4-A52E-0DE840C6149B}" type="datetimeFigureOut">
               <a:rPr lang="en-US" smtClean="0"/>
-              <a:t>10/27/2020</a:t>
+              <a:t>10/28/2020</a:t>
             </a:fld>
             <a:endParaRPr lang="en-US"/>
           </a:p>
@@ -1506,7 +1506,7 @@
           <a:p>
             <a:fld id="{9BC4C793-1D5A-47C4-A52E-0DE840C6149B}" type="datetimeFigureOut">
               <a:rPr lang="en-US" smtClean="0"/>
-              <a:t>10/27/2020</a:t>
+              <a:t>10/28/2020</a:t>
             </a:fld>
             <a:endParaRPr lang="en-US"/>
           </a:p>
@@ -1781,7 +1781,7 @@
           <a:p>
             <a:fld id="{9BC4C793-1D5A-47C4-A52E-0DE840C6149B}" type="datetimeFigureOut">
               <a:rPr lang="en-US" smtClean="0"/>
-              <a:t>10/27/2020</a:t>
+              <a:t>10/28/2020</a:t>
             </a:fld>
             <a:endParaRPr lang="en-US"/>
           </a:p>
@@ -2046,7 +2046,7 @@
           <a:p>
             <a:fld id="{9BC4C793-1D5A-47C4-A52E-0DE840C6149B}" type="datetimeFigureOut">
               <a:rPr lang="en-US" smtClean="0"/>
-              <a:t>10/27/2020</a:t>
+              <a:t>10/28/2020</a:t>
             </a:fld>
             <a:endParaRPr lang="en-US"/>
           </a:p>
@@ -2458,7 +2458,7 @@
           <a:p>
             <a:fld id="{9BC4C793-1D5A-47C4-A52E-0DE840C6149B}" type="datetimeFigureOut">
               <a:rPr lang="en-US" smtClean="0"/>
-              <a:t>10/27/2020</a:t>
+              <a:t>10/28/2020</a:t>
             </a:fld>
             <a:endParaRPr lang="en-US"/>
           </a:p>
@@ -2599,7 +2599,7 @@
           <a:p>
             <a:fld id="{9BC4C793-1D5A-47C4-A52E-0DE840C6149B}" type="datetimeFigureOut">
               <a:rPr lang="en-US" smtClean="0"/>
-              <a:t>10/27/2020</a:t>
+              <a:t>10/28/2020</a:t>
             </a:fld>
             <a:endParaRPr lang="en-US"/>
           </a:p>
@@ -2712,7 +2712,7 @@
           <a:p>
             <a:fld id="{9BC4C793-1D5A-47C4-A52E-0DE840C6149B}" type="datetimeFigureOut">
               <a:rPr lang="en-US" smtClean="0"/>
-              <a:t>10/27/2020</a:t>
+              <a:t>10/28/2020</a:t>
             </a:fld>
             <a:endParaRPr lang="en-US"/>
           </a:p>
@@ -3023,7 +3023,7 @@
           <a:p>
             <a:fld id="{9BC4C793-1D5A-47C4-A52E-0DE840C6149B}" type="datetimeFigureOut">
               <a:rPr lang="en-US" smtClean="0"/>
-              <a:t>10/27/2020</a:t>
+              <a:t>10/28/2020</a:t>
             </a:fld>
             <a:endParaRPr lang="en-US"/>
           </a:p>
@@ -3311,7 +3311,7 @@
           <a:p>
             <a:fld id="{9BC4C793-1D5A-47C4-A52E-0DE840C6149B}" type="datetimeFigureOut">
               <a:rPr lang="en-US" smtClean="0"/>
-              <a:t>10/27/2020</a:t>
+              <a:t>10/28/2020</a:t>
             </a:fld>
             <a:endParaRPr lang="en-US"/>
           </a:p>
@@ -3552,7 +3552,7 @@
           <a:p>
             <a:fld id="{9BC4C793-1D5A-47C4-A52E-0DE840C6149B}" type="datetimeFigureOut">
               <a:rPr lang="en-US" smtClean="0"/>
-              <a:t>10/27/2020</a:t>
+              <a:t>10/28/2020</a:t>
             </a:fld>
             <a:endParaRPr lang="en-US"/>
           </a:p>
@@ -3988,13 +3988,13 @@
         <p:spPr/>
         <p:txBody>
           <a:bodyPr>
-            <a:normAutofit fontScale="90000"/>
+            <a:normAutofit/>
           </a:bodyPr>
           <a:lstStyle/>
           <a:p>
             <a:r>
               <a:rPr lang="en-US" dirty="0"/>
-              <a:t>Identifying patients at risk of being readmitted to the hospital</a:t>
+              <a:t>Predicting heart failure readmission risk</a:t>
             </a:r>
           </a:p>
         </p:txBody>
@@ -4115,13 +4115,8 @@
           <a:p>
             <a:r>
               <a:rPr lang="en-US" dirty="0"/>
-              <a:t>Apply Word2vec embeddings to doctors’ notes and descriptions to map words that are similar close to each other. Each word is represented by a 300-dimension vector (</a:t>
-            </a:r>
-            <a:r>
-              <a:rPr lang="en-US"/>
-              <a:t>Google Word2vec).</a:t>
-            </a:r>
-            <a:endParaRPr lang="en-US" dirty="0"/>
+              <a:t>Apply Word2vec embeddings to doctors’ notes and descriptions to map words that are similar close to each other. Each word is represented by a 300-dimension vector (Google Word2vec).</a:t>
+            </a:r>
           </a:p>
           <a:p>
             <a:r>
@@ -4132,7 +4127,19 @@
           <a:p>
             <a:r>
               <a:rPr lang="en-US" dirty="0"/>
-              <a:t>Train a logistic regression model with training data (Python </a:t>
+              <a:t>Train a convolutional neural network model with training data.</a:t>
+            </a:r>
+          </a:p>
+          <a:p>
+            <a:r>
+              <a:rPr lang="en-US" dirty="0"/>
+              <a:t>Assess the performance using testing data.</a:t>
+            </a:r>
+          </a:p>
+          <a:p>
+            <a:r>
+              <a:rPr lang="en-US" dirty="0"/>
+              <a:t>(Python </a:t>
             </a:r>
             <a:r>
               <a:rPr lang="en-US" dirty="0" err="1"/>
@@ -4140,7 +4147,7 @@
             </a:r>
             <a:r>
               <a:rPr lang="en-US" dirty="0"/>
-              <a:t> library; refer to </a:t>
+              <a:t> library, refer to </a:t>
             </a:r>
             <a:r>
               <a:rPr lang="en-US" dirty="0" err="1"/>
@@ -4157,12 +4164,6 @@
             <a:r>
               <a:rPr lang="en-US" dirty="0"/>
               <a:t>).</a:t>
-            </a:r>
-          </a:p>
-          <a:p>
-            <a:r>
-              <a:rPr lang="en-US" dirty="0"/>
-              <a:t>Assess the performance using testing data.</a:t>
             </a:r>
           </a:p>
           <a:p>
@@ -4257,19 +4258,43 @@
           <a:p>
             <a:r>
               <a:rPr lang="en-US" dirty="0"/>
-              <a:t>For people with underlying diseases for heart failure (e.g., high blood pressure, diabetes), we can monitor and control the progression of these diseases.</a:t>
-            </a:r>
-          </a:p>
-          <a:p>
+              <a:t>For people with </a:t>
+            </a:r>
+            <a:r>
+              <a:rPr lang="en-US" b="1" dirty="0"/>
+              <a:t>underlying diseases </a:t>
+            </a:r>
             <a:r>
               <a:rPr lang="en-US" dirty="0"/>
-              <a:t>We encourage people to develop good lifestyle habits such as adopting good sleep habits, eat nutritious food, and prevent themselves from virus infection by wearing face masks, etc. </a:t>
+              <a:t>associated with heart failure (e.g., high blood pressure, diabetes), we can monitor and control the progression of these diseases.</a:t>
             </a:r>
           </a:p>
           <a:p>
             <a:r>
               <a:rPr lang="en-US" dirty="0"/>
-              <a:t>Record and analyze data for patients’ daily behavior and identify potential risk factors.</a:t>
+              <a:t>We encourage people to develop </a:t>
+            </a:r>
+            <a:r>
+              <a:rPr lang="en-US" b="1" dirty="0"/>
+              <a:t>good lifestyle habits </a:t>
+            </a:r>
+            <a:r>
+              <a:rPr lang="en-US" dirty="0"/>
+              <a:t>such as adopting good sleep habits, eat nutritious food, and prevent themselves from virus infection by wearing face masks, etc. </a:t>
+            </a:r>
+          </a:p>
+          <a:p>
+            <a:r>
+              <a:rPr lang="en-US" dirty="0"/>
+              <a:t>Record and analyze data for patients’ daily behavior and </a:t>
+            </a:r>
+            <a:r>
+              <a:rPr lang="en-US" b="1" dirty="0"/>
+              <a:t>identify potential risk factors</a:t>
+            </a:r>
+            <a:r>
+              <a:rPr lang="en-US" dirty="0"/>
+              <a:t>.</a:t>
             </a:r>
           </a:p>
         </p:txBody>
@@ -4351,7 +4376,7 @@
         <p:spPr/>
         <p:txBody>
           <a:bodyPr>
-            <a:normAutofit fontScale="55000" lnSpcReduction="20000"/>
+            <a:normAutofit/>
           </a:bodyPr>
           <a:lstStyle/>
           <a:p>
@@ -4359,82 +4384,47 @@
               <a:buNone/>
             </a:pPr>
             <a:r>
-              <a:rPr lang="en-US" sz="4400" dirty="0"/>
+              <a:rPr lang="en-US" dirty="0"/>
               <a:t>Heart failure is a chronic condition in which the heart doesn't pump blood as well as it should. More than 200,000 US cases per year.</a:t>
             </a:r>
+            <a:endParaRPr lang="en-US" sz="2000" dirty="0"/>
           </a:p>
           <a:p>
             <a:pPr marL="0" indent="0">
               <a:buNone/>
             </a:pPr>
             <a:r>
-              <a:rPr lang="en-US" sz="3600" b="1" dirty="0"/>
+              <a:rPr lang="en-US" b="1" dirty="0"/>
               <a:t>Symptoms</a:t>
             </a:r>
           </a:p>
           <a:p>
             <a:r>
-              <a:rPr lang="en-US" dirty="0"/>
+              <a:rPr lang="en-US" sz="2000" dirty="0"/>
               <a:t>Shortness of breath (dyspnea) when you exert yourself or when you lie down</a:t>
             </a:r>
           </a:p>
           <a:p>
             <a:r>
-              <a:rPr lang="en-US" dirty="0"/>
+              <a:rPr lang="en-US" sz="2000" dirty="0"/>
               <a:t>Fatigue and weakness</a:t>
             </a:r>
           </a:p>
           <a:p>
             <a:r>
-              <a:rPr lang="en-US" dirty="0"/>
+              <a:rPr lang="en-US" sz="2000" dirty="0"/>
               <a:t>Swelling (edema) in your legs, ankles and feet</a:t>
             </a:r>
           </a:p>
           <a:p>
             <a:r>
-              <a:rPr lang="en-US" dirty="0"/>
-              <a:t>Rapid or irregular heartbeat</a:t>
-            </a:r>
-          </a:p>
-          <a:p>
-            <a:r>
-              <a:rPr lang="en-US" dirty="0"/>
-              <a:t>Persistent cough or wheezing with white or pink blood-tinged phlegm</a:t>
-            </a:r>
-          </a:p>
-          <a:p>
-            <a:r>
-              <a:rPr lang="en-US" dirty="0"/>
-              <a:t>Increased need to urinate at night</a:t>
-            </a:r>
-          </a:p>
-          <a:p>
-            <a:r>
-              <a:rPr lang="en-US" dirty="0"/>
-              <a:t>Swelling of your abdomen (ascites)</a:t>
-            </a:r>
-          </a:p>
-          <a:p>
-            <a:r>
-              <a:rPr lang="en-US" dirty="0"/>
-              <a:t>Very rapid weight gain from fluid retention</a:t>
-            </a:r>
-          </a:p>
-          <a:p>
-            <a:r>
-              <a:rPr lang="en-US" dirty="0"/>
-              <a:t>Sudden, severe shortness of breath and coughing up pink, foamy mucus</a:t>
-            </a:r>
-          </a:p>
-          <a:p>
-            <a:r>
-              <a:rPr lang="en-US" dirty="0"/>
+              <a:rPr lang="en-US" sz="2000" dirty="0"/>
               <a:t>Chest pain if your heart failure is caused by a heart attack</a:t>
             </a:r>
           </a:p>
           <a:p>
             <a:r>
-              <a:rPr lang="en-US" dirty="0"/>
+              <a:rPr lang="en-US" sz="2000" dirty="0"/>
               <a:t>…</a:t>
             </a:r>
           </a:p>
@@ -4523,7 +4513,7 @@
         <p:spPr/>
         <p:txBody>
           <a:bodyPr>
-            <a:normAutofit fontScale="40000" lnSpcReduction="20000"/>
+            <a:normAutofit fontScale="70000" lnSpcReduction="20000"/>
           </a:bodyPr>
           <a:lstStyle/>
           <a:p>
@@ -4564,56 +4554,6 @@
             <a:r>
               <a:rPr lang="en-US" dirty="0"/>
               <a:t> Having diabetes increases your risk of high blood pressure and coronary artery disease.</a:t>
-            </a:r>
-          </a:p>
-          <a:p>
-            <a:r>
-              <a:rPr lang="en-US" b="1" dirty="0"/>
-              <a:t>Some diabetes medications.</a:t>
-            </a:r>
-            <a:r>
-              <a:rPr lang="en-US" dirty="0"/>
-              <a:t> The diabetes drugs rosiglitazone (Avandia) and pioglitazone (Actos) have been found to increase the risk of heart failure in some people. Don't stop taking these medications on your own, though. If you're taking them, discuss with your doctor whether you need to make any changes.</a:t>
-            </a:r>
-          </a:p>
-          <a:p>
-            <a:r>
-              <a:rPr lang="en-US" b="1" dirty="0"/>
-              <a:t>Certain medications.</a:t>
-            </a:r>
-            <a:r>
-              <a:rPr lang="en-US" dirty="0"/>
-              <a:t> Some medications may lead to heart failure or heart problems. Medications that may increase the risk of heart problems include nonsteroidal anti-inflammatory drugs (NSAIDs); certain anesthesia medications; some anti-arrhythmic medications; certain medications used to treat high blood pressure, cancer, blood conditions, neurological conditions, psychiatric conditions, lung conditions, urological conditions, inflammatory conditions and infections; and other prescription and over-the-counter medications.</a:t>
-            </a:r>
-          </a:p>
-          <a:p>
-            <a:r>
-              <a:rPr lang="en-US" b="1" dirty="0"/>
-              <a:t>Sleep apnea.</a:t>
-            </a:r>
-            <a:r>
-              <a:rPr lang="en-US" dirty="0"/>
-              <a:t> The inability to breathe properly while you sleep at night results in low blood oxygen levels and increased risk of abnormal heart rhythms. Both of these problems can weaken the heart.</a:t>
-            </a:r>
-          </a:p>
-          <a:p>
-            <a:r>
-              <a:rPr lang="en-US" b="1" dirty="0"/>
-              <a:t>Congenital heart defects.</a:t>
-            </a:r>
-            <a:r>
-              <a:rPr lang="en-US" dirty="0"/>
-              <a:t> Some people who develop heart failure were born with structural heart defects.</a:t>
-            </a:r>
-          </a:p>
-          <a:p>
-            <a:r>
-              <a:rPr lang="en-US" b="1" dirty="0"/>
-              <a:t>Valvular heart disease.</a:t>
-            </a:r>
-            <a:r>
-              <a:rPr lang="en-US" dirty="0"/>
-              <a:t> People with valvular heart disease have a higher risk of heart failure.</a:t>
             </a:r>
           </a:p>
           <a:p>
@@ -4720,21 +4660,26 @@
             <p:ph type="title"/>
           </p:nvPr>
         </p:nvSpPr>
-        <p:spPr/>
+        <p:spPr>
+          <a:xfrm>
+            <a:off x="1517714" y="365125"/>
+            <a:ext cx="9257123" cy="1325563"/>
+          </a:xfrm>
+        </p:spPr>
         <p:txBody>
           <a:bodyPr>
-            <a:normAutofit fontScale="90000"/>
+            <a:noAutofit/>
           </a:bodyPr>
           <a:lstStyle/>
           <a:p>
             <a:r>
-              <a:rPr lang="en-US" dirty="0"/>
-              <a:t>We propose a solution on how can RWD (i.e. EHR data) be used to develop a risk stratification model.</a:t>
+              <a:rPr lang="en-US" sz="3600" dirty="0"/>
+              <a:t>Use real-world evidence (i.e. EHR data) to develop a risk stratification model</a:t>
             </a:r>
             <a:br>
-              <a:rPr lang="en-US" dirty="0"/>
+              <a:rPr lang="en-US" sz="3600" dirty="0"/>
             </a:br>
-            <a:endParaRPr lang="en-US" dirty="0"/>
+            <a:endParaRPr lang="en-US" sz="3600" dirty="0"/>
           </a:p>
         </p:txBody>
       </p:sp>
@@ -4752,8 +4697,8 @@
         </p:nvSpPr>
         <p:spPr>
           <a:xfrm>
-            <a:off x="3494202" y="3060712"/>
-            <a:ext cx="5203595" cy="943369"/>
+            <a:off x="3484775" y="3060712"/>
+            <a:ext cx="5093617" cy="943369"/>
           </a:xfrm>
           <a:prstGeom prst="roundRect">
             <a:avLst/>
@@ -4815,8 +4760,8 @@
         </p:nvSpPr>
         <p:spPr>
           <a:xfrm>
-            <a:off x="3847706" y="1378105"/>
-            <a:ext cx="4392891" cy="972535"/>
+            <a:off x="4743842" y="1457385"/>
+            <a:ext cx="2575482" cy="735698"/>
           </a:xfrm>
           <a:prstGeom prst="roundRect">
             <a:avLst/>
@@ -4859,23 +4804,7 @@
                   <a:schemeClr val="tx1"/>
                 </a:solidFill>
               </a:rPr>
-              <a:t>Recruit study subjects: </a:t>
-            </a:r>
-            <a:r>
-              <a:rPr lang="en-US" sz="2000" b="1" dirty="0">
-                <a:solidFill>
-                  <a:schemeClr val="tx1"/>
-                </a:solidFill>
-              </a:rPr>
-              <a:t>both</a:t>
-            </a:r>
-            <a:r>
-              <a:rPr lang="en-US" dirty="0">
-                <a:solidFill>
-                  <a:schemeClr val="tx1"/>
-                </a:solidFill>
-              </a:rPr>
-              <a:t> healthy subjects and patients at risk of heart failure.</a:t>
+              <a:t>Recruit study subjects.</a:t>
             </a:r>
           </a:p>
         </p:txBody>
@@ -4894,7 +4823,7 @@
         </p:nvSpPr>
         <p:spPr>
           <a:xfrm>
-            <a:off x="3656025" y="4667566"/>
+            <a:off x="3656025" y="4705274"/>
             <a:ext cx="4776247" cy="708226"/>
           </a:xfrm>
           <a:prstGeom prst="roundRect">
@@ -4946,7 +4875,7 @@
                   <a:schemeClr val="tx1"/>
                 </a:solidFill>
               </a:rPr>
-              <a:t>patients and monitor hospitalization due to heart failure.</a:t>
+              <a:t>and monitor hospitalization due to heart failure.</a:t>
             </a:r>
             <a:endParaRPr lang="en-US" dirty="0"/>
           </a:p>
@@ -5129,7 +5058,7 @@
         </p:nvSpPr>
         <p:spPr>
           <a:xfrm>
-            <a:off x="5874468" y="5413500"/>
+            <a:off x="5874468" y="5451208"/>
             <a:ext cx="339365" cy="634884"/>
           </a:xfrm>
           <a:prstGeom prst="downArrow">
@@ -5343,38 +5272,45 @@
             <p:ph type="title"/>
           </p:nvPr>
         </p:nvSpPr>
-        <p:spPr/>
-        <p:txBody>
-          <a:bodyPr/>
-          <a:lstStyle/>
-          <a:p>
-            <a:r>
-              <a:rPr lang="en-US" dirty="0"/>
-              <a:t>Electronic health records data</a:t>
-            </a:r>
-          </a:p>
-        </p:txBody>
-      </p:sp>
-      <p:sp>
-        <p:nvSpPr>
-          <p:cNvPr id="3" name="Content Placeholder 2">
-            <a:extLst>
-              <a:ext uri="{FF2B5EF4-FFF2-40B4-BE49-F238E27FC236}">
-                <a16:creationId xmlns:a16="http://schemas.microsoft.com/office/drawing/2014/main" id="{969188F9-DB23-44FB-87F1-8140B4791B93}"/>
-              </a:ext>
-            </a:extLst>
-          </p:cNvPr>
-          <p:cNvSpPr>
-            <a:spLocks noGrp="1"/>
-          </p:cNvSpPr>
-          <p:nvPr>
-            <p:ph idx="1"/>
-          </p:nvPr>
-        </p:nvSpPr>
         <p:spPr>
           <a:xfrm>
-            <a:off x="838200" y="1622425"/>
-            <a:ext cx="10515600" cy="4870450"/>
+            <a:off x="18854" y="233150"/>
+            <a:ext cx="8409495" cy="1325563"/>
+          </a:xfrm>
+        </p:spPr>
+        <p:txBody>
+          <a:bodyPr>
+            <a:normAutofit/>
+          </a:bodyPr>
+          <a:lstStyle/>
+          <a:p>
+            <a:r>
+              <a:rPr lang="en-US" sz="3600" dirty="0"/>
+              <a:t>Electronic health records data</a:t>
+            </a:r>
+          </a:p>
+        </p:txBody>
+      </p:sp>
+      <p:sp>
+        <p:nvSpPr>
+          <p:cNvPr id="3" name="Content Placeholder 2">
+            <a:extLst>
+              <a:ext uri="{FF2B5EF4-FFF2-40B4-BE49-F238E27FC236}">
+                <a16:creationId xmlns:a16="http://schemas.microsoft.com/office/drawing/2014/main" id="{969188F9-DB23-44FB-87F1-8140B4791B93}"/>
+              </a:ext>
+            </a:extLst>
+          </p:cNvPr>
+          <p:cNvSpPr>
+            <a:spLocks noGrp="1"/>
+          </p:cNvSpPr>
+          <p:nvPr>
+            <p:ph idx="1"/>
+          </p:nvPr>
+        </p:nvSpPr>
+        <p:spPr>
+          <a:xfrm>
+            <a:off x="508262" y="2526383"/>
+            <a:ext cx="4714188" cy="3699802"/>
           </a:xfrm>
         </p:spPr>
         <p:txBody>
@@ -5479,8 +5415,8 @@
         </p:blipFill>
         <p:spPr bwMode="auto">
           <a:xfrm>
-            <a:off x="2081848" y="2947988"/>
-            <a:ext cx="3407104" cy="3311525"/>
+            <a:off x="5495827" y="418880"/>
+            <a:ext cx="6385090" cy="6205970"/>
           </a:xfrm>
           <a:prstGeom prst="rect">
             <a:avLst/>
@@ -5497,6 +5433,62 @@
           </a:extLst>
         </p:spPr>
       </p:pic>
+      <p:sp>
+        <p:nvSpPr>
+          <p:cNvPr id="4" name="TextBox 3">
+            <a:extLst>
+              <a:ext uri="{FF2B5EF4-FFF2-40B4-BE49-F238E27FC236}">
+                <a16:creationId xmlns:a16="http://schemas.microsoft.com/office/drawing/2014/main" id="{7D61C029-2D28-4F83-949A-455717C6CA1D}"/>
+              </a:ext>
+            </a:extLst>
+          </p:cNvPr>
+          <p:cNvSpPr txBox="1"/>
+          <p:nvPr/>
+        </p:nvSpPr>
+        <p:spPr>
+          <a:xfrm>
+            <a:off x="333552" y="4562747"/>
+            <a:ext cx="5063607" cy="2062103"/>
+          </a:xfrm>
+          <a:prstGeom prst="rect">
+            <a:avLst/>
+          </a:prstGeom>
+          <a:noFill/>
+        </p:spPr>
+        <p:txBody>
+          <a:bodyPr wrap="square" rtlCol="0">
+            <a:spAutoFit/>
+          </a:bodyPr>
+          <a:lstStyle/>
+          <a:p>
+            <a:r>
+              <a:rPr lang="en-US" sz="3200" b="1" dirty="0">
+                <a:solidFill>
+                  <a:schemeClr val="accent1"/>
+                </a:solidFill>
+              </a:rPr>
+              <a:t>How to extract useful information from the text?</a:t>
+            </a:r>
+          </a:p>
+          <a:p>
+            <a:r>
+              <a:rPr lang="en-US" sz="3200" b="1" dirty="0">
+                <a:solidFill>
+                  <a:schemeClr val="accent1"/>
+                </a:solidFill>
+              </a:rPr>
+              <a:t>Do we have labels?</a:t>
+            </a:r>
+          </a:p>
+          <a:p>
+            <a:endParaRPr lang="en-US" sz="3200" b="1" dirty="0">
+              <a:solidFill>
+                <a:schemeClr val="accent1"/>
+              </a:solidFill>
+            </a:endParaRPr>
+          </a:p>
+        </p:txBody>
+      </p:sp>
     </p:spTree>
     <p:extLst>
       <p:ext uri="{BB962C8B-B14F-4D97-AF65-F5344CB8AC3E}">
@@ -5507,6 +5499,84 @@
   <p:clrMapOvr>
     <a:masterClrMapping/>
   </p:clrMapOvr>
+  <p:timing>
+    <p:tnLst>
+      <p:par>
+        <p:cTn id="1" dur="indefinite" restart="never" nodeType="tmRoot">
+          <p:childTnLst>
+            <p:seq concurrent="1" nextAc="seek">
+              <p:cTn id="2" dur="indefinite" nodeType="mainSeq">
+                <p:childTnLst>
+                  <p:par>
+                    <p:cTn id="3" fill="hold">
+                      <p:stCondLst>
+                        <p:cond delay="indefinite"/>
+                      </p:stCondLst>
+                      <p:childTnLst>
+                        <p:par>
+                          <p:cTn id="4" fill="hold">
+                            <p:stCondLst>
+                              <p:cond delay="0"/>
+                            </p:stCondLst>
+                            <p:childTnLst>
+                              <p:par>
+                                <p:cTn id="5" presetID="1" presetClass="entr" presetSubtype="0" fill="hold" grpId="0" nodeType="clickEffect">
+                                  <p:stCondLst>
+                                    <p:cond delay="0"/>
+                                  </p:stCondLst>
+                                  <p:childTnLst>
+                                    <p:set>
+                                      <p:cBhvr>
+                                        <p:cTn id="6" dur="1" fill="hold">
+                                          <p:stCondLst>
+                                            <p:cond delay="0"/>
+                                          </p:stCondLst>
+                                        </p:cTn>
+                                        <p:tgtEl>
+                                          <p:spTgt spid="4"/>
+                                        </p:tgtEl>
+                                        <p:attrNameLst>
+                                          <p:attrName>style.visibility</p:attrName>
+                                        </p:attrNameLst>
+                                      </p:cBhvr>
+                                      <p:to>
+                                        <p:strVal val="visible"/>
+                                      </p:to>
+                                    </p:set>
+                                  </p:childTnLst>
+                                </p:cTn>
+                              </p:par>
+                            </p:childTnLst>
+                          </p:cTn>
+                        </p:par>
+                      </p:childTnLst>
+                    </p:cTn>
+                  </p:par>
+                </p:childTnLst>
+              </p:cTn>
+              <p:prevCondLst>
+                <p:cond evt="onPrev" delay="0">
+                  <p:tgtEl>
+                    <p:sldTgt/>
+                  </p:tgtEl>
+                </p:cond>
+              </p:prevCondLst>
+              <p:nextCondLst>
+                <p:cond evt="onNext" delay="0">
+                  <p:tgtEl>
+                    <p:sldTgt/>
+                  </p:tgtEl>
+                </p:cond>
+              </p:nextCondLst>
+            </p:seq>
+          </p:childTnLst>
+        </p:cTn>
+      </p:par>
+    </p:tnLst>
+    <p:bldLst>
+      <p:bldP spid="4" grpId="0"/>
+    </p:bldLst>
+  </p:timing>
 </p:sld>
 </file>
 
@@ -5579,8 +5649,8 @@
         </p:blipFill>
         <p:spPr>
           <a:xfrm>
-            <a:off x="1391056" y="4001294"/>
-            <a:ext cx="7620660" cy="2057578"/>
+            <a:off x="893074" y="3264054"/>
+            <a:ext cx="9871194" cy="2665222"/>
           </a:xfrm>
           <a:prstGeom prst="rect">
             <a:avLst/>
@@ -5601,7 +5671,7 @@
         </p:nvSpPr>
         <p:spPr>
           <a:xfrm>
-            <a:off x="1391056" y="2185412"/>
+            <a:off x="1042264" y="1572954"/>
             <a:ext cx="8683440" cy="1815882"/>
           </a:xfrm>
           <a:prstGeom prst="rect">
@@ -5617,7 +5687,15 @@
           <a:p>
             <a:r>
               <a:rPr lang="en-US" sz="2800" dirty="0"/>
-              <a:t>We assume that readmission data is available through follow up and carried out statistical models to classify readmission vs. non-readmission.</a:t>
+              <a:t>We assume that </a:t>
+            </a:r>
+            <a:r>
+              <a:rPr lang="en-US" sz="2800" b="1" dirty="0"/>
+              <a:t>readmission data is available </a:t>
+            </a:r>
+            <a:r>
+              <a:rPr lang="en-US" sz="2800" dirty="0"/>
+              <a:t>through follow up and carried out statistical models to classify readmission vs. non-readmission.</a:t>
             </a:r>
           </a:p>
           <a:p>
@@ -5701,13 +5779,13 @@
         </p:nvSpPr>
         <p:spPr>
           <a:xfrm>
-            <a:off x="838200" y="1452763"/>
-            <a:ext cx="10515600" cy="4351338"/>
+            <a:off x="838201" y="1772205"/>
+            <a:ext cx="5496612" cy="4351338"/>
           </a:xfrm>
         </p:spPr>
         <p:txBody>
           <a:bodyPr>
-            <a:normAutofit/>
+            <a:noAutofit/>
           </a:bodyPr>
           <a:lstStyle/>
           <a:p>
@@ -5715,15 +5793,23 @@
               <a:buNone/>
             </a:pPr>
             <a:r>
-              <a:rPr lang="en-US" dirty="0"/>
-              <a:t>Apply bag of words representation to doctors’ notes and descriptions (</a:t>
-            </a:r>
-            <a:r>
-              <a:rPr lang="en-US" sz="1600" dirty="0"/>
-              <a:t>i.e., embeds each sentence as a list of 0s, with a 1 at each index corresponding to a word present in the sentence</a:t>
-            </a:r>
-            <a:r>
-              <a:rPr lang="en-US" dirty="0"/>
+              <a:rPr lang="en-US" sz="3600" dirty="0"/>
+              <a:t>Apply bag of words representation to doctors’ notes and </a:t>
+            </a:r>
+            <a:r>
+              <a:rPr lang="en-US" sz="3600"/>
+              <a:t>descriptions (</a:t>
+            </a:r>
+            <a:r>
+              <a:rPr lang="en-US" sz="2000"/>
+              <a:t>embeds </a:t>
+            </a:r>
+            <a:r>
+              <a:rPr lang="en-US" sz="2000" dirty="0"/>
+              <a:t>each sentence as a list of 0s, with a 1 at each index corresponding to a word presents in the sentence</a:t>
+            </a:r>
+            <a:r>
+              <a:rPr lang="en-US" sz="3600" dirty="0"/>
               <a:t>).</a:t>
             </a:r>
           </a:p>
@@ -5732,33 +5818,33 @@
               <a:buNone/>
             </a:pPr>
             <a:br>
-              <a:rPr lang="en-US" dirty="0"/>
+              <a:rPr lang="en-US" sz="3600" dirty="0"/>
             </a:br>
             <a:br>
-              <a:rPr lang="en-US" dirty="0"/>
+              <a:rPr lang="en-US" sz="3600" dirty="0"/>
             </a:br>
             <a:br>
-              <a:rPr lang="en-US" dirty="0"/>
+              <a:rPr lang="en-US" sz="3600" dirty="0"/>
             </a:br>
             <a:br>
-              <a:rPr lang="en-US" dirty="0"/>
+              <a:rPr lang="en-US" sz="3600" dirty="0"/>
             </a:br>
-            <a:endParaRPr lang="en-US" dirty="0"/>
+            <a:endParaRPr lang="en-US" sz="3600" dirty="0"/>
           </a:p>
           <a:p>
             <a:pPr marL="0" indent="0">
               <a:buNone/>
             </a:pPr>
-            <a:endParaRPr lang="en-US" dirty="0"/>
+            <a:endParaRPr lang="en-US" sz="3600" dirty="0"/>
           </a:p>
           <a:p>
             <a:pPr marL="0" indent="0">
               <a:buNone/>
             </a:pPr>
-            <a:endParaRPr lang="en-US" dirty="0"/>
-          </a:p>
-          <a:p>
-            <a:endParaRPr lang="en-US" dirty="0"/>
+            <a:endParaRPr lang="en-US" sz="3600" dirty="0"/>
+          </a:p>
+          <a:p>
+            <a:endParaRPr lang="en-US" sz="3600" dirty="0"/>
           </a:p>
         </p:txBody>
       </p:sp>
@@ -5791,8 +5877,8 @@
         </p:blipFill>
         <p:spPr bwMode="auto">
           <a:xfrm>
-            <a:off x="2589168" y="2247399"/>
-            <a:ext cx="4249752" cy="4060810"/>
+            <a:off x="6674178" y="1327698"/>
+            <a:ext cx="5018987" cy="4795845"/>
           </a:xfrm>
           <a:prstGeom prst="rect">
             <a:avLst/>
@@ -5823,8 +5909,8 @@
         </p:nvSpPr>
         <p:spPr>
           <a:xfrm>
-            <a:off x="2263807" y="6308209"/>
-            <a:ext cx="4900474" cy="369332"/>
+            <a:off x="6674178" y="6208384"/>
+            <a:ext cx="5583161" cy="400110"/>
           </a:xfrm>
           <a:prstGeom prst="rect">
             <a:avLst/>
@@ -5838,7 +5924,7 @@
           <a:lstStyle/>
           <a:p>
             <a:r>
-              <a:rPr lang="en-US" dirty="0"/>
+              <a:rPr lang="en-US" sz="2000" dirty="0"/>
               <a:t>Principal component analyses of the embeddings</a:t>
             </a:r>
           </a:p>
@@ -5936,8 +6022,8 @@
         </p:blipFill>
         <p:spPr bwMode="auto">
           <a:xfrm>
-            <a:off x="6853284" y="3555648"/>
-            <a:ext cx="3371850" cy="3390900"/>
+            <a:off x="7456599" y="3016251"/>
+            <a:ext cx="4019749" cy="4042459"/>
           </a:xfrm>
           <a:prstGeom prst="rect">
             <a:avLst/>
@@ -5969,7 +6055,7 @@
         <p:spPr>
           <a:xfrm>
             <a:off x="1219061" y="1690688"/>
-            <a:ext cx="9753878" cy="1815882"/>
+            <a:ext cx="9753878" cy="2677656"/>
           </a:xfrm>
           <a:prstGeom prst="rect">
             <a:avLst/>
@@ -5997,31 +6083,7 @@
             </a:pPr>
             <a:r>
               <a:rPr lang="en-US" sz="2800" dirty="0"/>
-              <a:t>Train a logistic regression model with training data (Python </a:t>
-            </a:r>
-            <a:r>
-              <a:rPr lang="en-US" sz="2800" dirty="0" err="1"/>
-              <a:t>Sklearn</a:t>
-            </a:r>
-            <a:r>
-              <a:rPr lang="en-US" sz="2800" dirty="0"/>
-              <a:t> library, refer to </a:t>
-            </a:r>
-            <a:r>
-              <a:rPr lang="en-US" sz="2800" dirty="0" err="1"/>
-              <a:t>Kaida’s</a:t>
-            </a:r>
-            <a:r>
-              <a:rPr lang="en-US" sz="2800" dirty="0"/>
-              <a:t> file </a:t>
-            </a:r>
-            <a:r>
-              <a:rPr lang="en-US" sz="2800" dirty="0" err="1"/>
-              <a:t>NLP_notebook.ipynb</a:t>
-            </a:r>
-            <a:r>
-              <a:rPr lang="en-US" sz="2800" dirty="0"/>
-              <a:t>).</a:t>
+              <a:t>Train a logistic regression model with training data, where predictors are the 0/1 coded notes and descriptions.</a:t>
             </a:r>
           </a:p>
           <a:p>
@@ -6032,6 +6094,40 @@
             <a:r>
               <a:rPr lang="en-US" sz="2800" dirty="0"/>
               <a:t>Assess the performance using testing data.</a:t>
+            </a:r>
+          </a:p>
+          <a:p>
+            <a:pPr marL="457200" indent="-457200">
+              <a:buFont typeface="Arial" panose="020B0604020202020204" pitchFamily="34" charset="0"/>
+              <a:buChar char="•"/>
+            </a:pPr>
+            <a:r>
+              <a:rPr lang="en-US" sz="2800" dirty="0"/>
+              <a:t>(Python </a:t>
+            </a:r>
+            <a:r>
+              <a:rPr lang="en-US" sz="2800" dirty="0" err="1"/>
+              <a:t>Sklearn</a:t>
+            </a:r>
+            <a:r>
+              <a:rPr lang="en-US" sz="2800" dirty="0"/>
+              <a:t> library, refer to </a:t>
+            </a:r>
+            <a:r>
+              <a:rPr lang="en-US" sz="2800" dirty="0" err="1"/>
+              <a:t>Kaida’s</a:t>
+            </a:r>
+            <a:r>
+              <a:rPr lang="en-US" sz="2800" dirty="0"/>
+              <a:t> file </a:t>
+            </a:r>
+            <a:r>
+              <a:rPr lang="en-US" sz="2800" dirty="0" err="1"/>
+              <a:t>NLP_notebook.ipynb</a:t>
+            </a:r>
+            <a:r>
+              <a:rPr lang="en-US" sz="2800" dirty="0"/>
+              <a:t>).</a:t>
             </a:r>
           </a:p>
         </p:txBody>

--- a/Presentation_KaidaNing.pptx
+++ b/Presentation_KaidaNing.pptx
@@ -207,7 +207,7 @@
           <a:p>
             <a:fld id="{8F6173E5-2CE4-4C10-88C9-8577D8C41D04}" type="datetimeFigureOut">
               <a:rPr lang="en-US" smtClean="0"/>
-              <a:t>10/28/2020</a:t>
+              <a:t>10/29/2020</a:t>
             </a:fld>
             <a:endParaRPr lang="en-US"/>
           </a:p>
@@ -902,7 +902,7 @@
           <a:p>
             <a:fld id="{9BC4C793-1D5A-47C4-A52E-0DE840C6149B}" type="datetimeFigureOut">
               <a:rPr lang="en-US" smtClean="0"/>
-              <a:t>10/28/2020</a:t>
+              <a:t>10/29/2020</a:t>
             </a:fld>
             <a:endParaRPr lang="en-US"/>
           </a:p>
@@ -1100,7 +1100,7 @@
           <a:p>
             <a:fld id="{9BC4C793-1D5A-47C4-A52E-0DE840C6149B}" type="datetimeFigureOut">
               <a:rPr lang="en-US" smtClean="0"/>
-              <a:t>10/28/2020</a:t>
+              <a:t>10/29/2020</a:t>
             </a:fld>
             <a:endParaRPr lang="en-US"/>
           </a:p>
@@ -1308,7 +1308,7 @@
           <a:p>
             <a:fld id="{9BC4C793-1D5A-47C4-A52E-0DE840C6149B}" type="datetimeFigureOut">
               <a:rPr lang="en-US" smtClean="0"/>
-              <a:t>10/28/2020</a:t>
+              <a:t>10/29/2020</a:t>
             </a:fld>
             <a:endParaRPr lang="en-US"/>
           </a:p>
@@ -1506,7 +1506,7 @@
           <a:p>
             <a:fld id="{9BC4C793-1D5A-47C4-A52E-0DE840C6149B}" type="datetimeFigureOut">
               <a:rPr lang="en-US" smtClean="0"/>
-              <a:t>10/28/2020</a:t>
+              <a:t>10/29/2020</a:t>
             </a:fld>
             <a:endParaRPr lang="en-US"/>
           </a:p>
@@ -1781,7 +1781,7 @@
           <a:p>
             <a:fld id="{9BC4C793-1D5A-47C4-A52E-0DE840C6149B}" type="datetimeFigureOut">
               <a:rPr lang="en-US" smtClean="0"/>
-              <a:t>10/28/2020</a:t>
+              <a:t>10/29/2020</a:t>
             </a:fld>
             <a:endParaRPr lang="en-US"/>
           </a:p>
@@ -2046,7 +2046,7 @@
           <a:p>
             <a:fld id="{9BC4C793-1D5A-47C4-A52E-0DE840C6149B}" type="datetimeFigureOut">
               <a:rPr lang="en-US" smtClean="0"/>
-              <a:t>10/28/2020</a:t>
+              <a:t>10/29/2020</a:t>
             </a:fld>
             <a:endParaRPr lang="en-US"/>
           </a:p>
@@ -2458,7 +2458,7 @@
           <a:p>
             <a:fld id="{9BC4C793-1D5A-47C4-A52E-0DE840C6149B}" type="datetimeFigureOut">
               <a:rPr lang="en-US" smtClean="0"/>
-              <a:t>10/28/2020</a:t>
+              <a:t>10/29/2020</a:t>
             </a:fld>
             <a:endParaRPr lang="en-US"/>
           </a:p>
@@ -2599,7 +2599,7 @@
           <a:p>
             <a:fld id="{9BC4C793-1D5A-47C4-A52E-0DE840C6149B}" type="datetimeFigureOut">
               <a:rPr lang="en-US" smtClean="0"/>
-              <a:t>10/28/2020</a:t>
+              <a:t>10/29/2020</a:t>
             </a:fld>
             <a:endParaRPr lang="en-US"/>
           </a:p>
@@ -2712,7 +2712,7 @@
           <a:p>
             <a:fld id="{9BC4C793-1D5A-47C4-A52E-0DE840C6149B}" type="datetimeFigureOut">
               <a:rPr lang="en-US" smtClean="0"/>
-              <a:t>10/28/2020</a:t>
+              <a:t>10/29/2020</a:t>
             </a:fld>
             <a:endParaRPr lang="en-US"/>
           </a:p>
@@ -3023,7 +3023,7 @@
           <a:p>
             <a:fld id="{9BC4C793-1D5A-47C4-A52E-0DE840C6149B}" type="datetimeFigureOut">
               <a:rPr lang="en-US" smtClean="0"/>
-              <a:t>10/28/2020</a:t>
+              <a:t>10/29/2020</a:t>
             </a:fld>
             <a:endParaRPr lang="en-US"/>
           </a:p>
@@ -3311,7 +3311,7 @@
           <a:p>
             <a:fld id="{9BC4C793-1D5A-47C4-A52E-0DE840C6149B}" type="datetimeFigureOut">
               <a:rPr lang="en-US" smtClean="0"/>
-              <a:t>10/28/2020</a:t>
+              <a:t>10/29/2020</a:t>
             </a:fld>
             <a:endParaRPr lang="en-US"/>
           </a:p>
@@ -3552,7 +3552,7 @@
           <a:p>
             <a:fld id="{9BC4C793-1D5A-47C4-A52E-0DE840C6149B}" type="datetimeFigureOut">
               <a:rPr lang="en-US" smtClean="0"/>
-              <a:t>10/28/2020</a:t>
+              <a:t>10/29/2020</a:t>
             </a:fld>
             <a:endParaRPr lang="en-US"/>
           </a:p>
@@ -4108,75 +4108,143 @@
             <p:ph idx="1"/>
           </p:nvPr>
         </p:nvSpPr>
-        <p:spPr/>
-        <p:txBody>
-          <a:bodyPr/>
-          <a:lstStyle/>
-          <a:p>
-            <a:r>
-              <a:rPr lang="en-US" dirty="0"/>
+        <p:spPr>
+          <a:xfrm>
+            <a:off x="767080" y="1358264"/>
+            <a:ext cx="10515600" cy="5347335"/>
+          </a:xfrm>
+        </p:spPr>
+        <p:txBody>
+          <a:bodyPr>
+            <a:normAutofit/>
+          </a:bodyPr>
+          <a:lstStyle/>
+          <a:p>
+            <a:r>
+              <a:rPr lang="en-US" sz="2000" dirty="0"/>
               <a:t>Apply Word2vec embeddings to doctors’ notes and descriptions to map words that are similar close to each other. Each word is represented by a 300-dimension vector (Google Word2vec).</a:t>
             </a:r>
           </a:p>
           <a:p>
             <a:r>
-              <a:rPr lang="en-US" dirty="0"/>
+              <a:rPr lang="en-US" sz="2000" dirty="0"/>
               <a:t>Split the samples into training and testing sets.</a:t>
             </a:r>
           </a:p>
           <a:p>
             <a:r>
-              <a:rPr lang="en-US" dirty="0"/>
+              <a:rPr lang="en-US" sz="2000" dirty="0"/>
               <a:t>Train a convolutional neural network model with training data.</a:t>
             </a:r>
-          </a:p>
-          <a:p>
-            <a:r>
-              <a:rPr lang="en-US" dirty="0"/>
+            <a:br>
+              <a:rPr lang="en-US" sz="2000" dirty="0"/>
+            </a:br>
+            <a:br>
+              <a:rPr lang="en-US" sz="2000" dirty="0"/>
+            </a:br>
+            <a:br>
+              <a:rPr lang="en-US" sz="2000" dirty="0"/>
+            </a:br>
+            <a:br>
+              <a:rPr lang="en-US" sz="2000" dirty="0"/>
+            </a:br>
+            <a:br>
+              <a:rPr lang="en-US" sz="2000" dirty="0"/>
+            </a:br>
+            <a:br>
+              <a:rPr lang="en-US" sz="2000" dirty="0"/>
+            </a:br>
+            <a:br>
+              <a:rPr lang="en-US" sz="2000" dirty="0"/>
+            </a:br>
+            <a:br>
+              <a:rPr lang="en-US" sz="2000" dirty="0"/>
+            </a:br>
+            <a:br>
+              <a:rPr lang="en-US" sz="2000" dirty="0"/>
+            </a:br>
+            <a:br>
+              <a:rPr lang="en-US" sz="2000" dirty="0"/>
+            </a:br>
+            <a:endParaRPr lang="en-US" sz="2000" dirty="0"/>
+          </a:p>
+          <a:p>
+            <a:r>
+              <a:rPr lang="en-US" sz="2000" dirty="0"/>
               <a:t>Assess the performance using testing data.</a:t>
             </a:r>
           </a:p>
           <a:p>
             <a:r>
-              <a:rPr lang="en-US" dirty="0"/>
+              <a:rPr lang="en-US" sz="2000" dirty="0"/>
               <a:t>(Python </a:t>
             </a:r>
             <a:r>
-              <a:rPr lang="en-US" dirty="0" err="1"/>
+              <a:rPr lang="en-US" sz="2000" dirty="0" err="1"/>
               <a:t>Keras</a:t>
             </a:r>
             <a:r>
-              <a:rPr lang="en-US" dirty="0"/>
+              <a:rPr lang="en-US" sz="2000" dirty="0"/>
               <a:t> library, refer to </a:t>
             </a:r>
             <a:r>
-              <a:rPr lang="en-US" dirty="0" err="1"/>
+              <a:rPr lang="en-US" sz="2000" dirty="0" err="1"/>
               <a:t>Kaida’s</a:t>
             </a:r>
             <a:r>
-              <a:rPr lang="en-US" dirty="0"/>
+              <a:rPr lang="en-US" sz="2000" dirty="0"/>
               <a:t> file </a:t>
             </a:r>
             <a:r>
-              <a:rPr lang="en-US" dirty="0" err="1"/>
+              <a:rPr lang="en-US" sz="2000" dirty="0" err="1"/>
               <a:t>NLP_notebook.ipynb</a:t>
             </a:r>
             <a:r>
-              <a:rPr lang="en-US" dirty="0"/>
+              <a:rPr lang="en-US" sz="2000" dirty="0"/>
               <a:t>).</a:t>
             </a:r>
           </a:p>
           <a:p>
-            <a:endParaRPr lang="en-US" dirty="0"/>
-          </a:p>
-          <a:p>
-            <a:endParaRPr lang="en-US" dirty="0"/>
-          </a:p>
-          <a:p>
-            <a:endParaRPr lang="en-US" dirty="0"/>
-          </a:p>
-        </p:txBody>
-      </p:sp>
+            <a:endParaRPr lang="en-US" sz="2000" dirty="0"/>
+          </a:p>
+          <a:p>
+            <a:endParaRPr lang="en-US" sz="2000" dirty="0"/>
+          </a:p>
+          <a:p>
+            <a:endParaRPr lang="en-US" sz="2000" dirty="0"/>
+          </a:p>
+        </p:txBody>
+      </p:sp>
+      <p:pic>
+        <p:nvPicPr>
+          <p:cNvPr id="4" name="Picture 3">
+            <a:extLst>
+              <a:ext uri="{FF2B5EF4-FFF2-40B4-BE49-F238E27FC236}">
+                <a16:creationId xmlns:a16="http://schemas.microsoft.com/office/drawing/2014/main" id="{8FE7F4DE-BAB4-451B-980E-AABB172FB30D}"/>
+              </a:ext>
+            </a:extLst>
+          </p:cNvPr>
+          <p:cNvPicPr>
+            <a:picLocks noChangeAspect="1"/>
+          </p:cNvPicPr>
+          <p:nvPr/>
+        </p:nvPicPr>
+        <p:blipFill>
+          <a:blip r:embed="rId3"/>
+          <a:stretch>
+            <a:fillRect/>
+          </a:stretch>
+        </p:blipFill>
+        <p:spPr>
+          <a:xfrm>
+            <a:off x="1193941" y="2712807"/>
+            <a:ext cx="6131418" cy="2638247"/>
+          </a:xfrm>
+          <a:prstGeom prst="rect">
+            <a:avLst/>
+          </a:prstGeom>
+        </p:spPr>
+      </p:pic>
     </p:spTree>
     <p:extLst>
       <p:ext uri="{BB962C8B-B14F-4D97-AF65-F5344CB8AC3E}">
